--- a/docs/diagrams/LoginExtendedActivityDiagram.pptx
+++ b/docs/diagrams/LoginExtendedActivityDiagram.pptx
@@ -3591,7 +3591,7 @@
         </p:nvCxnSpPr>
         <p:spPr>
           <a:xfrm>
-            <a:off x="9697546" y="2153301"/>
+            <a:off x="9469242" y="2150142"/>
             <a:ext cx="0" cy="498875"/>
           </a:xfrm>
           <a:prstGeom prst="straightConnector1">
@@ -3630,7 +3630,7 @@
         </p:nvGrpSpPr>
         <p:grpSpPr>
           <a:xfrm>
-            <a:off x="9579710" y="2652176"/>
+            <a:off x="9351406" y="2648372"/>
             <a:ext cx="235669" cy="235669"/>
             <a:chOff x="8040730" y="5082186"/>
             <a:chExt cx="235669" cy="235669"/>
@@ -3879,7 +3879,7 @@
         </p:nvSpPr>
         <p:spPr>
           <a:xfrm>
-            <a:off x="8694420" y="1592892"/>
+            <a:off x="8466116" y="1589733"/>
             <a:ext cx="2006251" cy="560409"/>
           </a:xfrm>
           <a:prstGeom prst="roundRect">
@@ -4099,8 +4099,8 @@
         </p:nvSpPr>
         <p:spPr>
           <a:xfrm>
-            <a:off x="6908890" y="1035080"/>
-            <a:ext cx="2132965" cy="738664"/>
+            <a:off x="6861664" y="907587"/>
+            <a:ext cx="1779416" cy="954107"/>
           </a:xfrm>
           <a:prstGeom prst="rect">
             <a:avLst/>
@@ -4137,8 +4137,8 @@
         </p:nvCxnSpPr>
         <p:spPr>
           <a:xfrm flipV="1">
-            <a:off x="7062272" y="1916850"/>
-            <a:ext cx="1626034" cy="12238"/>
+            <a:off x="7062272" y="1916785"/>
+            <a:ext cx="1403844" cy="12303"/>
           </a:xfrm>
           <a:prstGeom prst="straightConnector1">
             <a:avLst/>
